--- a/ppt/算法讲解122【扩展】树上问题专题5-树上差分.pptx
+++ b/ppt/算法讲解122【扩展】树上问题专题5-树上差分.pptx
@@ -5922,7 +5922,7 @@
               </a:defRPr>
             </a:pPr>
             <a:r>
-              <a:t>使图不联通的方法数</a:t>
+              <a:t>使图不连通的方法数</a:t>
             </a:r>
           </a:p>
           <a:p>
@@ -5954,7 +5954,7 @@
               </a:defRPr>
             </a:pPr>
             <a:r>
-              <a:t>你可以切断两条边让这个图不联通，切断的两条边必须是一条老边和一条新边</a:t>
+              <a:t>你可以切断两条边让这个图不连通，切断的两条边必须是一条老边和一条新边</a:t>
             </a:r>
           </a:p>
           <a:p>
